--- a/Session PPTs/Session3 CV.pptx
+++ b/Session PPTs/Session3 CV.pptx
@@ -274,7 +274,7 @@
           <a:p>
             <a:fld id="{EBE3C4DF-F570-4A2F-9058-1B12AAF0221D}" type="datetimeFigureOut">
               <a:rPr lang="en-IN" smtClean="0"/>
-              <a:t>15-01-2020</a:t>
+              <a:t>20-01-2020</a:t>
             </a:fld>
             <a:endParaRPr lang="en-IN"/>
           </a:p>
@@ -474,7 +474,7 @@
           <a:p>
             <a:fld id="{EBE3C4DF-F570-4A2F-9058-1B12AAF0221D}" type="datetimeFigureOut">
               <a:rPr lang="en-IN" smtClean="0"/>
-              <a:t>15-01-2020</a:t>
+              <a:t>20-01-2020</a:t>
             </a:fld>
             <a:endParaRPr lang="en-IN"/>
           </a:p>
@@ -684,7 +684,7 @@
           <a:p>
             <a:fld id="{EBE3C4DF-F570-4A2F-9058-1B12AAF0221D}" type="datetimeFigureOut">
               <a:rPr lang="en-IN" smtClean="0"/>
-              <a:t>15-01-2020</a:t>
+              <a:t>20-01-2020</a:t>
             </a:fld>
             <a:endParaRPr lang="en-IN"/>
           </a:p>
@@ -1761,7 +1761,7 @@
           <a:p>
             <a:fld id="{EBE3C4DF-F570-4A2F-9058-1B12AAF0221D}" type="datetimeFigureOut">
               <a:rPr lang="en-IN" smtClean="0"/>
-              <a:t>15-01-2020</a:t>
+              <a:t>20-01-2020</a:t>
             </a:fld>
             <a:endParaRPr lang="en-IN"/>
           </a:p>
@@ -3281,7 +3281,7 @@
           <a:p>
             <a:fld id="{EBE3C4DF-F570-4A2F-9058-1B12AAF0221D}" type="datetimeFigureOut">
               <a:rPr lang="en-IN" smtClean="0"/>
-              <a:t>15-01-2020</a:t>
+              <a:t>20-01-2020</a:t>
             </a:fld>
             <a:endParaRPr lang="en-IN"/>
           </a:p>
@@ -4632,7 +4632,7 @@
           <a:p>
             <a:fld id="{EBE3C4DF-F570-4A2F-9058-1B12AAF0221D}" type="datetimeFigureOut">
               <a:rPr lang="en-IN" smtClean="0"/>
-              <a:t>15-01-2020</a:t>
+              <a:t>20-01-2020</a:t>
             </a:fld>
             <a:endParaRPr lang="en-IN"/>
           </a:p>
@@ -5047,7 +5047,7 @@
           <a:p>
             <a:fld id="{EBE3C4DF-F570-4A2F-9058-1B12AAF0221D}" type="datetimeFigureOut">
               <a:rPr lang="en-IN" smtClean="0"/>
-              <a:t>15-01-2020</a:t>
+              <a:t>20-01-2020</a:t>
             </a:fld>
             <a:endParaRPr lang="en-IN"/>
           </a:p>
@@ -5189,7 +5189,7 @@
           <a:p>
             <a:fld id="{EBE3C4DF-F570-4A2F-9058-1B12AAF0221D}" type="datetimeFigureOut">
               <a:rPr lang="en-IN" smtClean="0"/>
-              <a:t>15-01-2020</a:t>
+              <a:t>20-01-2020</a:t>
             </a:fld>
             <a:endParaRPr lang="en-IN"/>
           </a:p>
@@ -5302,7 +5302,7 @@
           <a:p>
             <a:fld id="{EBE3C4DF-F570-4A2F-9058-1B12AAF0221D}" type="datetimeFigureOut">
               <a:rPr lang="en-IN" smtClean="0"/>
-              <a:t>15-01-2020</a:t>
+              <a:t>20-01-2020</a:t>
             </a:fld>
             <a:endParaRPr lang="en-IN"/>
           </a:p>
@@ -5615,7 +5615,7 @@
           <a:p>
             <a:fld id="{EBE3C4DF-F570-4A2F-9058-1B12AAF0221D}" type="datetimeFigureOut">
               <a:rPr lang="en-IN" smtClean="0"/>
-              <a:t>15-01-2020</a:t>
+              <a:t>20-01-2020</a:t>
             </a:fld>
             <a:endParaRPr lang="en-IN"/>
           </a:p>
@@ -5904,7 +5904,7 @@
           <a:p>
             <a:fld id="{EBE3C4DF-F570-4A2F-9058-1B12AAF0221D}" type="datetimeFigureOut">
               <a:rPr lang="en-IN" smtClean="0"/>
-              <a:t>15-01-2020</a:t>
+              <a:t>20-01-2020</a:t>
             </a:fld>
             <a:endParaRPr lang="en-IN"/>
           </a:p>
@@ -6147,7 +6147,7 @@
           <a:p>
             <a:fld id="{EBE3C4DF-F570-4A2F-9058-1B12AAF0221D}" type="datetimeFigureOut">
               <a:rPr lang="en-IN" smtClean="0"/>
-              <a:t>15-01-2020</a:t>
+              <a:t>20-01-2020</a:t>
             </a:fld>
             <a:endParaRPr lang="en-IN"/>
           </a:p>
@@ -8029,7 +8029,7 @@
               <a:defRPr/>
             </a:pPr>
             <a:r>
-              <a:rPr kumimoji="0" lang="en-IN" sz="1800" b="0" i="0" u="none" strike="noStrike" kern="1200" cap="none" spc="-1" normalizeH="0" baseline="0" noProof="0">
+              <a:rPr kumimoji="0" lang="en-IN" sz="1800" b="0" i="0" u="none" strike="noStrike" kern="1200" cap="none" spc="-1" normalizeH="0" baseline="0" noProof="0" dirty="0">
                 <a:ln>
                   <a:noFill/>
                 </a:ln>
@@ -8048,7 +8048,7 @@
               </a:rPr>
               <a:t>Changing value of element in to 255 (white) to it’s value crosses 150 and if not it will be changed to 0 (black)</a:t>
             </a:r>
-            <a:endParaRPr kumimoji="0" lang="en-IN" sz="1800" b="0" i="0" u="none" strike="noStrike" kern="1200" cap="none" spc="-1" normalizeH="0" baseline="0" noProof="0">
+            <a:endParaRPr kumimoji="0" lang="en-IN" sz="1800" b="0" i="0" u="none" strike="noStrike" kern="1200" cap="none" spc="-1" normalizeH="0" baseline="0" noProof="0" dirty="0">
               <a:ln>
                 <a:noFill/>
               </a:ln>
@@ -8086,7 +8086,7 @@
               <a:defRPr/>
             </a:pPr>
             <a:r>
-              <a:rPr kumimoji="0" lang="en-IN" sz="1800" b="1" i="0" u="none" strike="noStrike" kern="1200" cap="none" spc="-1" normalizeH="0" baseline="0" noProof="0">
+              <a:rPr kumimoji="0" lang="en-IN" sz="1800" b="1" i="0" u="none" strike="noStrike" kern="1200" cap="none" spc="-1" normalizeH="0" baseline="0" noProof="0" dirty="0" err="1">
                 <a:ln>
                   <a:noFill/>
                 </a:ln>
@@ -8103,9 +8103,69 @@
                 <a:latin typeface="Century Gothic"/>
                 <a:ea typeface="Century Gothic"/>
               </a:rPr>
-              <a:t>img[img &gt; 150] = 255</a:t>
-            </a:r>
-            <a:endParaRPr kumimoji="0" lang="en-IN" sz="1800" b="0" i="0" u="none" strike="noStrike" kern="1200" cap="none" spc="-1" normalizeH="0" baseline="0" noProof="0">
+              <a:t>img</a:t>
+            </a:r>
+            <a:r>
+              <a:rPr kumimoji="0" lang="en-IN" sz="1800" b="1" i="0" u="none" strike="noStrike" kern="1200" cap="none" spc="-1" normalizeH="0" baseline="0" noProof="0" dirty="0">
+                <a:ln>
+                  <a:noFill/>
+                </a:ln>
+                <a:solidFill>
+                  <a:srgbClr val="FFFFFF"/>
+                </a:solidFill>
+                <a:effectLst/>
+                <a:uLnTx/>
+                <a:uFill>
+                  <a:solidFill>
+                    <a:srgbClr val="FFFFFF"/>
+                  </a:solidFill>
+                </a:uFill>
+                <a:latin typeface="Century Gothic"/>
+                <a:ea typeface="Century Gothic"/>
+              </a:rPr>
+              <a:t>[</a:t>
+            </a:r>
+            <a:r>
+              <a:rPr kumimoji="0" lang="en-IN" sz="1800" b="1" i="0" u="none" strike="noStrike" kern="1200" cap="none" spc="-1" normalizeH="0" baseline="0" noProof="0" dirty="0" err="1">
+                <a:ln>
+                  <a:noFill/>
+                </a:ln>
+                <a:solidFill>
+                  <a:srgbClr val="FFFFFF"/>
+                </a:solidFill>
+                <a:effectLst/>
+                <a:uLnTx/>
+                <a:uFill>
+                  <a:solidFill>
+                    <a:srgbClr val="FFFFFF"/>
+                  </a:solidFill>
+                </a:uFill>
+                <a:latin typeface="Century Gothic"/>
+                <a:ea typeface="Century Gothic"/>
+              </a:rPr>
+              <a:t>img</a:t>
+            </a:r>
+            <a:r>
+              <a:rPr kumimoji="0" lang="en-IN" sz="1800" b="1" i="0" u="none" strike="noStrike" kern="1200" cap="none" spc="-1" normalizeH="0" baseline="0" noProof="0" dirty="0">
+                <a:ln>
+                  <a:noFill/>
+                </a:ln>
+                <a:solidFill>
+                  <a:srgbClr val="FFFFFF"/>
+                </a:solidFill>
+                <a:effectLst/>
+                <a:uLnTx/>
+                <a:uFill>
+                  <a:solidFill>
+                    <a:srgbClr val="FFFFFF"/>
+                  </a:solidFill>
+                </a:uFill>
+                <a:latin typeface="Century Gothic"/>
+                <a:ea typeface="Century Gothic"/>
+              </a:rPr>
+              <a:t> &gt; 150] = 255</a:t>
+            </a:r>
+            <a:endParaRPr kumimoji="0" lang="en-IN" sz="1800" b="0" i="0" u="none" strike="noStrike" kern="1200" cap="none" spc="-1" normalizeH="0" baseline="0" noProof="0" dirty="0">
               <a:ln>
                 <a:noFill/>
               </a:ln>
@@ -8143,7 +8203,7 @@
               <a:defRPr/>
             </a:pPr>
             <a:r>
-              <a:rPr kumimoji="0" lang="en-IN" sz="1800" b="1" i="0" u="none" strike="noStrike" kern="1200" cap="none" spc="-1" normalizeH="0" baseline="0" noProof="0">
+              <a:rPr kumimoji="0" lang="en-IN" sz="1800" b="1" i="0" u="none" strike="noStrike" kern="1200" cap="none" spc="-1" normalizeH="0" baseline="0" noProof="0" dirty="0" err="1">
                 <a:ln>
                   <a:noFill/>
                 </a:ln>
@@ -8160,7 +8220,67 @@
                 <a:latin typeface="Century Gothic"/>
                 <a:ea typeface="Century Gothic"/>
               </a:rPr>
-              <a:t>img[img &lt;= 150] = 0</a:t>
+              <a:t>img</a:t>
+            </a:r>
+            <a:r>
+              <a:rPr kumimoji="0" lang="en-IN" sz="1800" b="1" i="0" u="none" strike="noStrike" kern="1200" cap="none" spc="-1" normalizeH="0" baseline="0" noProof="0" dirty="0">
+                <a:ln>
+                  <a:noFill/>
+                </a:ln>
+                <a:solidFill>
+                  <a:srgbClr val="FFFFFF"/>
+                </a:solidFill>
+                <a:effectLst/>
+                <a:uLnTx/>
+                <a:uFill>
+                  <a:solidFill>
+                    <a:srgbClr val="FFFFFF"/>
+                  </a:solidFill>
+                </a:uFill>
+                <a:latin typeface="Century Gothic"/>
+                <a:ea typeface="Century Gothic"/>
+              </a:rPr>
+              <a:t>[</a:t>
+            </a:r>
+            <a:r>
+              <a:rPr kumimoji="0" lang="en-IN" sz="1800" b="1" i="0" u="none" strike="noStrike" kern="1200" cap="none" spc="-1" normalizeH="0" baseline="0" noProof="0" dirty="0" err="1">
+                <a:ln>
+                  <a:noFill/>
+                </a:ln>
+                <a:solidFill>
+                  <a:srgbClr val="FFFFFF"/>
+                </a:solidFill>
+                <a:effectLst/>
+                <a:uLnTx/>
+                <a:uFill>
+                  <a:solidFill>
+                    <a:srgbClr val="FFFFFF"/>
+                  </a:solidFill>
+                </a:uFill>
+                <a:latin typeface="Century Gothic"/>
+                <a:ea typeface="Century Gothic"/>
+              </a:rPr>
+              <a:t>img</a:t>
+            </a:r>
+            <a:r>
+              <a:rPr kumimoji="0" lang="en-IN" sz="1800" b="1" i="0" u="none" strike="noStrike" kern="1200" cap="none" spc="-1" normalizeH="0" baseline="0" noProof="0">
+                <a:ln>
+                  <a:noFill/>
+                </a:ln>
+                <a:solidFill>
+                  <a:srgbClr val="FFFFFF"/>
+                </a:solidFill>
+                <a:effectLst/>
+                <a:uLnTx/>
+                <a:uFill>
+                  <a:solidFill>
+                    <a:srgbClr val="FFFFFF"/>
+                  </a:solidFill>
+                </a:uFill>
+                <a:latin typeface="Century Gothic"/>
+                <a:ea typeface="Century Gothic"/>
+              </a:rPr>
+              <a:t> &lt;= 150] = 0</a:t>
             </a:r>
             <a:endParaRPr kumimoji="0" lang="en-IN" sz="1800" b="0" i="0" u="none" strike="noStrike" kern="1200" cap="none" spc="-1" normalizeH="0" baseline="0" noProof="0">
               <a:ln>
@@ -8200,7 +8320,7 @@
               <a:defRPr/>
             </a:pPr>
             <a:r>
-              <a:rPr kumimoji="0" lang="en-IN" sz="1800" b="0" i="0" u="none" strike="noStrike" kern="1200" cap="none" spc="-1" normalizeH="0" baseline="0" noProof="0">
+              <a:rPr kumimoji="0" lang="en-IN" sz="1800" b="0" i="0" u="none" strike="noStrike" kern="1200" cap="none" spc="-1" normalizeH="0" baseline="0" noProof="0" dirty="0">
                 <a:ln>
                   <a:noFill/>
                 </a:ln>
@@ -8219,7 +8339,7 @@
               </a:rPr>
               <a:t>Predefined function is there for thresholding</a:t>
             </a:r>
-            <a:endParaRPr kumimoji="0" lang="en-IN" sz="1800" b="0" i="0" u="none" strike="noStrike" kern="1200" cap="none" spc="-1" normalizeH="0" baseline="0" noProof="0">
+            <a:endParaRPr kumimoji="0" lang="en-IN" sz="1800" b="0" i="0" u="none" strike="noStrike" kern="1200" cap="none" spc="-1" normalizeH="0" baseline="0" noProof="0" dirty="0">
               <a:ln>
                 <a:noFill/>
               </a:ln>
@@ -8257,7 +8377,7 @@
               <a:defRPr/>
             </a:pPr>
             <a:r>
-              <a:rPr kumimoji="0" lang="en-IN" sz="1800" b="1" i="0" u="none" strike="noStrike" kern="1200" cap="none" spc="-1" normalizeH="0" baseline="0" noProof="0">
+              <a:rPr kumimoji="0" lang="en-IN" sz="1800" b="1" i="0" u="none" strike="noStrike" kern="1200" cap="none" spc="-1" normalizeH="0" baseline="0" noProof="0" dirty="0">
                 <a:ln>
                   <a:noFill/>
                 </a:ln>
@@ -8274,9 +8394,49 @@
                 <a:latin typeface="Century Gothic"/>
                 <a:ea typeface="Century Gothic"/>
               </a:rPr>
-              <a:t>cv2.threshold(&lt;grayscaleimage&gt;, threshold value, max value, threshold style)</a:t>
-            </a:r>
-            <a:endParaRPr kumimoji="0" lang="en-IN" sz="1800" b="0" i="0" u="none" strike="noStrike" kern="1200" cap="none" spc="-1" normalizeH="0" baseline="0" noProof="0">
+              <a:t>cv2.threshold(&lt;</a:t>
+            </a:r>
+            <a:r>
+              <a:rPr kumimoji="0" lang="en-IN" sz="1800" b="1" i="0" u="none" strike="noStrike" kern="1200" cap="none" spc="-1" normalizeH="0" baseline="0" noProof="0" dirty="0" err="1">
+                <a:ln>
+                  <a:noFill/>
+                </a:ln>
+                <a:solidFill>
+                  <a:srgbClr val="FFFFFF"/>
+                </a:solidFill>
+                <a:effectLst/>
+                <a:uLnTx/>
+                <a:uFill>
+                  <a:solidFill>
+                    <a:srgbClr val="FFFFFF"/>
+                  </a:solidFill>
+                </a:uFill>
+                <a:latin typeface="Century Gothic"/>
+                <a:ea typeface="Century Gothic"/>
+              </a:rPr>
+              <a:t>grayscaleimage</a:t>
+            </a:r>
+            <a:r>
+              <a:rPr kumimoji="0" lang="en-IN" sz="1800" b="1" i="0" u="none" strike="noStrike" kern="1200" cap="none" spc="-1" normalizeH="0" baseline="0" noProof="0" dirty="0">
+                <a:ln>
+                  <a:noFill/>
+                </a:ln>
+                <a:solidFill>
+                  <a:srgbClr val="FFFFFF"/>
+                </a:solidFill>
+                <a:effectLst/>
+                <a:uLnTx/>
+                <a:uFill>
+                  <a:solidFill>
+                    <a:srgbClr val="FFFFFF"/>
+                  </a:solidFill>
+                </a:uFill>
+                <a:latin typeface="Century Gothic"/>
+                <a:ea typeface="Century Gothic"/>
+              </a:rPr>
+              <a:t>&gt;, threshold value, max value, threshold style)</a:t>
+            </a:r>
+            <a:endParaRPr kumimoji="0" lang="en-IN" sz="1800" b="0" i="0" u="none" strike="noStrike" kern="1200" cap="none" spc="-1" normalizeH="0" baseline="0" noProof="0" dirty="0">
               <a:ln>
                 <a:noFill/>
               </a:ln>
@@ -8314,7 +8474,7 @@
               <a:defRPr/>
             </a:pPr>
             <a:r>
-              <a:rPr kumimoji="0" lang="en-IN" sz="1800" b="1" i="0" u="none" strike="noStrike" kern="1200" cap="none" spc="-1" normalizeH="0" baseline="0" noProof="0">
+              <a:rPr kumimoji="0" lang="en-IN" sz="1800" b="1" i="0" u="none" strike="noStrike" kern="1200" cap="none" spc="-1" normalizeH="0" baseline="0" noProof="0" dirty="0">
                 <a:ln>
                   <a:noFill/>
                 </a:ln>
@@ -8331,9 +8491,49 @@
                 <a:latin typeface="Century Gothic"/>
                 <a:ea typeface="Century Gothic"/>
               </a:rPr>
-              <a:t>Ex: cv2.threshold(gray, 128, 255, cv2.THRESH_BINARY)</a:t>
-            </a:r>
-            <a:endParaRPr kumimoji="0" lang="en-IN" sz="1800" b="0" i="0" u="none" strike="noStrike" kern="1200" cap="none" spc="-1" normalizeH="0" baseline="0" noProof="0">
+              <a:t>Ex: cv2.threshold(</a:t>
+            </a:r>
+            <a:r>
+              <a:rPr kumimoji="0" lang="en-IN" sz="1800" b="1" i="0" u="none" strike="noStrike" kern="1200" cap="none" spc="-1" normalizeH="0" baseline="0" noProof="0" dirty="0" err="1">
+                <a:ln>
+                  <a:noFill/>
+                </a:ln>
+                <a:solidFill>
+                  <a:srgbClr val="FFFFFF"/>
+                </a:solidFill>
+                <a:effectLst/>
+                <a:uLnTx/>
+                <a:uFill>
+                  <a:solidFill>
+                    <a:srgbClr val="FFFFFF"/>
+                  </a:solidFill>
+                </a:uFill>
+                <a:latin typeface="Century Gothic"/>
+                <a:ea typeface="Century Gothic"/>
+              </a:rPr>
+              <a:t>gray</a:t>
+            </a:r>
+            <a:r>
+              <a:rPr kumimoji="0" lang="en-IN" sz="1800" b="1" i="0" u="none" strike="noStrike" kern="1200" cap="none" spc="-1" normalizeH="0" baseline="0" noProof="0" dirty="0">
+                <a:ln>
+                  <a:noFill/>
+                </a:ln>
+                <a:solidFill>
+                  <a:srgbClr val="FFFFFF"/>
+                </a:solidFill>
+                <a:effectLst/>
+                <a:uLnTx/>
+                <a:uFill>
+                  <a:solidFill>
+                    <a:srgbClr val="FFFFFF"/>
+                  </a:solidFill>
+                </a:uFill>
+                <a:latin typeface="Century Gothic"/>
+                <a:ea typeface="Century Gothic"/>
+              </a:rPr>
+              <a:t>, 128, 255, cv2.THRESH_BINARY)</a:t>
+            </a:r>
+            <a:endParaRPr kumimoji="0" lang="en-IN" sz="1800" b="0" i="0" u="none" strike="noStrike" kern="1200" cap="none" spc="-1" normalizeH="0" baseline="0" noProof="0" dirty="0">
               <a:ln>
                 <a:noFill/>
               </a:ln>
